--- a/_static/lecture-pipelines.pptx
+++ b/_static/lecture-pipelines.pptx
@@ -5,7 +5,7 @@
     <p:sldMasterId id="2147483648" r:id="rId1"/>
   </p:sldMasterIdLst>
   <p:notesMasterIdLst>
-    <p:notesMasterId r:id="rId22"/>
+    <p:notesMasterId r:id="rId23"/>
   </p:notesMasterIdLst>
   <p:sldIdLst>
     <p:sldId id="256" r:id="rId2"/>
@@ -22,12 +22,13 @@
     <p:sldId id="267" r:id="rId13"/>
     <p:sldId id="268" r:id="rId14"/>
     <p:sldId id="269" r:id="rId15"/>
-    <p:sldId id="270" r:id="rId16"/>
-    <p:sldId id="271" r:id="rId17"/>
-    <p:sldId id="274" r:id="rId18"/>
-    <p:sldId id="272" r:id="rId19"/>
-    <p:sldId id="273" r:id="rId20"/>
-    <p:sldId id="276" r:id="rId21"/>
+    <p:sldId id="277" r:id="rId16"/>
+    <p:sldId id="270" r:id="rId17"/>
+    <p:sldId id="271" r:id="rId18"/>
+    <p:sldId id="274" r:id="rId19"/>
+    <p:sldId id="272" r:id="rId20"/>
+    <p:sldId id="273" r:id="rId21"/>
+    <p:sldId id="276" r:id="rId22"/>
   </p:sldIdLst>
   <p:sldSz cx="9144000" cy="6858000" type="screen4x3"/>
   <p:notesSz cx="6858000" cy="9144000"/>
@@ -556,7 +557,7 @@
           <a:p>
             <a:fld id="{D2CA0CAA-4475-3944-9001-3E3366753C31}" type="slidenum">
               <a:rPr lang="en-US" smtClean="0"/>
-              <a:t>19</a:t>
+              <a:t>20</a:t>
             </a:fld>
             <a:endParaRPr lang="en-US"/>
           </a:p>
@@ -4530,12 +4531,14 @@
         </p:nvSpPr>
         <p:spPr/>
         <p:txBody>
-          <a:bodyPr/>
-          <a:lstStyle/>
-          <a:p>
-            <a:r>
-              <a:rPr lang="en-US" dirty="0" smtClean="0"/>
-              <a:t>Some nonobvious corollaries</a:t>
+          <a:bodyPr>
+            <a:normAutofit fontScale="90000"/>
+          </a:bodyPr>
+          <a:lstStyle/>
+          <a:p>
+            <a:r>
+              <a:rPr lang="en-US" dirty="0" smtClean="0"/>
+              <a:t>Citations re importance of reproducibility</a:t>
             </a:r>
             <a:endParaRPr lang="en-US" dirty="0"/>
           </a:p>
@@ -4554,48 +4557,123 @@
         <p:spPr/>
         <p:txBody>
           <a:bodyPr>
-            <a:normAutofit fontScale="92500" lnSpcReduction="20000"/>
+            <a:normAutofit fontScale="70000" lnSpcReduction="20000"/>
           </a:bodyPr>
           <a:lstStyle/>
           <a:p>
-            <a:r>
-              <a:rPr lang="en-US" dirty="0" smtClean="0"/>
-              <a:t>Each processing step from the raw data onwards is interesting; so you need to provide close-to-raw data.</a:t>
-            </a:r>
-          </a:p>
-          <a:p>
+            <a:pPr marL="0" indent="0">
+              <a:buNone/>
+            </a:pPr>
+            <a:r>
+              <a:rPr lang="en-US" dirty="0" smtClean="0"/>
+              <a:t>Go read this:</a:t>
+            </a:r>
+          </a:p>
+          <a:p>
+            <a:pPr marL="0" indent="0">
+              <a:buNone/>
+            </a:pPr>
+            <a:r>
+              <a:rPr lang="en-US" dirty="0"/>
+              <a:t>	</a:t>
+            </a:r>
+            <a:r>
+              <a:rPr lang="en-US" dirty="0">
+                <a:hlinkClick r:id="rId2"/>
+              </a:rPr>
+              <a:t>http://www.motherjones.com/politics/2013/09/austerity-reinhart-rogoff-stimulus-debt-</a:t>
+            </a:r>
+            <a:r>
+              <a:rPr lang="en-US" dirty="0" smtClean="0">
+                <a:hlinkClick r:id="rId2"/>
+              </a:rPr>
+              <a:t>ceiling</a:t>
+            </a:r>
+            <a:endParaRPr lang="en-US" dirty="0" smtClean="0"/>
+          </a:p>
+          <a:p>
+            <a:pPr marL="0" indent="0">
+              <a:buNone/>
+            </a:pPr>
             <a:endParaRPr lang="en-US" dirty="0"/>
           </a:p>
           <a:p>
-            <a:r>
-              <a:rPr lang="en-US" dirty="0" smtClean="0"/>
-              <a:t>Making the figures is part of the pipeline; but Excel cannot be automated.</a:t>
-            </a:r>
-          </a:p>
-          <a:p>
+            <a:pPr marL="0" indent="0">
+              <a:buNone/>
+            </a:pPr>
+            <a:r>
+              <a:rPr lang="en-US" dirty="0" smtClean="0"/>
+              <a:t>And this:</a:t>
+            </a:r>
+          </a:p>
+          <a:p>
+            <a:pPr marL="0" indent="0">
+              <a:buNone/>
+            </a:pPr>
             <a:endParaRPr lang="en-US" dirty="0"/>
           </a:p>
           <a:p>
-            <a:r>
-              <a:rPr lang="en-US" dirty="0" smtClean="0"/>
-              <a:t>Keeping track of what exact </a:t>
-            </a:r>
-            <a:r>
-              <a:rPr lang="en-US" i="1" dirty="0" smtClean="0"/>
-              <a:t>version </a:t>
-            </a:r>
-            <a:r>
-              <a:rPr lang="en-US" dirty="0" smtClean="0"/>
-              <a:t>of the pipeline script you used to generate the results now becomes a problem…</a:t>
-            </a:r>
+            <a:pPr marL="0" indent="0">
+              <a:buNone/>
+            </a:pPr>
+            <a:r>
+              <a:rPr lang="en-US" dirty="0">
+                <a:hlinkClick r:id="rId3"/>
+              </a:rPr>
+              <a:t>http://boscoh.com/protein/a-sign-a-flipped-structure-and-a-scientific-flameout-of-epic-</a:t>
+            </a:r>
+            <a:r>
+              <a:rPr lang="en-US" dirty="0" smtClean="0">
+                <a:hlinkClick r:id="rId3"/>
+              </a:rPr>
+              <a:t>proportions.html</a:t>
+            </a:r>
+            <a:endParaRPr lang="en-US" dirty="0" smtClean="0"/>
+          </a:p>
+          <a:p>
+            <a:pPr marL="0" indent="0">
+              <a:buNone/>
+            </a:pPr>
             <a:endParaRPr lang="en-US" dirty="0"/>
+          </a:p>
+          <a:p>
+            <a:pPr marL="0" indent="0">
+              <a:buNone/>
+            </a:pPr>
+            <a:r>
+              <a:rPr lang="en-US" dirty="0" smtClean="0"/>
+              <a:t>And this:</a:t>
+            </a:r>
+          </a:p>
+          <a:p>
+            <a:pPr marL="0" indent="0">
+              <a:buNone/>
+            </a:pPr>
+            <a:endParaRPr lang="en-US" dirty="0"/>
+          </a:p>
+          <a:p>
+            <a:pPr marL="0" indent="0">
+              <a:buNone/>
+            </a:pPr>
+            <a:r>
+              <a:rPr lang="en-US" dirty="0"/>
+              <a:t>http://</a:t>
+            </a:r>
+            <a:r>
+              <a:rPr lang="en-US" dirty="0" err="1"/>
+              <a:t>pharma.about.com</a:t>
+            </a:r>
+            <a:r>
+              <a:rPr lang="en-US" dirty="0"/>
+              <a:t>/b/2012/04/06/researchers-vast-majority-of-preclinical-cancer-studies-not-reproducible.htm</a:t>
+            </a:r>
           </a:p>
         </p:txBody>
       </p:sp>
     </p:spTree>
     <p:extLst>
       <p:ext uri="{BB962C8B-B14F-4D97-AF65-F5344CB8AC3E}">
-        <p14:creationId xmlns:p14="http://schemas.microsoft.com/office/powerpoint/2010/main" val="3044484298"/>
+        <p14:creationId xmlns:p14="http://schemas.microsoft.com/office/powerpoint/2010/main" val="1148670559"/>
       </p:ext>
     </p:extLst>
   </p:cSld>
@@ -4622,69 +4700,75 @@
           <a:chExt cx="0" cy="0"/>
         </a:xfrm>
       </p:grpSpPr>
-      <p:pic>
-        <p:nvPicPr>
-          <p:cNvPr id="4" name="Content Placeholder 3"/>
-          <p:cNvPicPr>
-            <a:picLocks noGrp="1" noChangeAspect="1"/>
-          </p:cNvPicPr>
-          <p:nvPr>
-            <p:ph idx="4294967295"/>
-          </p:nvPr>
-        </p:nvPicPr>
-        <p:blipFill rotWithShape="1">
-          <a:blip r:embed="rId2"/>
-          <a:srcRect l="-750" r="-606"/>
-          <a:stretch/>
-        </p:blipFill>
-        <p:spPr>
-          <a:xfrm>
-            <a:off x="2347834" y="123376"/>
-            <a:ext cx="4769498" cy="6274187"/>
-          </a:xfrm>
-        </p:spPr>
-      </p:pic>
-      <p:sp>
-        <p:nvSpPr>
-          <p:cNvPr id="5" name="Rectangle 4"/>
-          <p:cNvSpPr/>
-          <p:nvPr/>
-        </p:nvSpPr>
-        <p:spPr>
-          <a:xfrm>
-            <a:off x="971804" y="6432511"/>
-            <a:ext cx="7415426" cy="369332"/>
-          </a:xfrm>
-          <a:prstGeom prst="rect">
-            <a:avLst/>
-          </a:prstGeom>
-        </p:spPr>
-        <p:txBody>
-          <a:bodyPr wrap="square">
-            <a:spAutoFit/>
+      <p:sp>
+        <p:nvSpPr>
+          <p:cNvPr id="2" name="Title 1"/>
+          <p:cNvSpPr>
+            <a:spLocks noGrp="1"/>
+          </p:cNvSpPr>
+          <p:nvPr>
+            <p:ph type="title"/>
+          </p:nvPr>
+        </p:nvSpPr>
+        <p:spPr/>
+        <p:txBody>
+          <a:bodyPr/>
+          <a:lstStyle/>
+          <a:p>
+            <a:r>
+              <a:rPr lang="en-US" dirty="0" smtClean="0"/>
+              <a:t>Some nonobvious corollaries</a:t>
+            </a:r>
+            <a:endParaRPr lang="en-US" dirty="0"/>
+          </a:p>
+        </p:txBody>
+      </p:sp>
+      <p:sp>
+        <p:nvSpPr>
+          <p:cNvPr id="3" name="Content Placeholder 2"/>
+          <p:cNvSpPr>
+            <a:spLocks noGrp="1"/>
+          </p:cNvSpPr>
+          <p:nvPr>
+            <p:ph idx="1"/>
+          </p:nvPr>
+        </p:nvSpPr>
+        <p:spPr/>
+        <p:txBody>
+          <a:bodyPr>
+            <a:normAutofit fontScale="92500" lnSpcReduction="20000"/>
           </a:bodyPr>
           <a:lstStyle/>
           <a:p>
-            <a:pPr algn="ctr"/>
-            <a:r>
-              <a:rPr lang="en-US" dirty="0" smtClean="0"/>
-              <a:t>http://</a:t>
-            </a:r>
-            <a:r>
-              <a:rPr lang="en-US" dirty="0" err="1" smtClean="0"/>
-              <a:t>www.phdcomics.com</a:t>
-            </a:r>
-            <a:r>
-              <a:rPr lang="en-US" dirty="0" smtClean="0"/>
-              <a:t>/comics/</a:t>
-            </a:r>
-            <a:r>
-              <a:rPr lang="en-US" dirty="0" err="1" smtClean="0"/>
-              <a:t>archive.php?comicid</a:t>
-            </a:r>
-            <a:r>
-              <a:rPr lang="en-US" dirty="0" smtClean="0"/>
-              <a:t>=1531</a:t>
+            <a:r>
+              <a:rPr lang="en-US" dirty="0" smtClean="0"/>
+              <a:t>Each processing step from the raw data onwards is interesting; so you need to provide close-to-raw data.</a:t>
+            </a:r>
+          </a:p>
+          <a:p>
+            <a:endParaRPr lang="en-US" dirty="0"/>
+          </a:p>
+          <a:p>
+            <a:r>
+              <a:rPr lang="en-US" dirty="0" smtClean="0"/>
+              <a:t>Making the figures is part of the pipeline; but Excel cannot be automated.</a:t>
+            </a:r>
+          </a:p>
+          <a:p>
+            <a:endParaRPr lang="en-US" dirty="0"/>
+          </a:p>
+          <a:p>
+            <a:r>
+              <a:rPr lang="en-US" dirty="0" smtClean="0"/>
+              <a:t>Keeping track of what exact </a:t>
+            </a:r>
+            <a:r>
+              <a:rPr lang="en-US" i="1" dirty="0" smtClean="0"/>
+              <a:t>version </a:t>
+            </a:r>
+            <a:r>
+              <a:rPr lang="en-US" dirty="0" smtClean="0"/>
+              <a:t>of the pipeline script you used to generate the results now becomes a problem…</a:t>
             </a:r>
             <a:endParaRPr lang="en-US" dirty="0"/>
           </a:p>
@@ -4693,7 +4777,7 @@
     </p:spTree>
     <p:extLst>
       <p:ext uri="{BB962C8B-B14F-4D97-AF65-F5344CB8AC3E}">
-        <p14:creationId xmlns:p14="http://schemas.microsoft.com/office/powerpoint/2010/main" val="3013361992"/>
+        <p14:creationId xmlns:p14="http://schemas.microsoft.com/office/powerpoint/2010/main" val="3044484298"/>
       </p:ext>
     </p:extLst>
   </p:cSld>
@@ -4720,109 +4804,78 @@
           <a:chExt cx="0" cy="0"/>
         </a:xfrm>
       </p:grpSpPr>
-      <p:sp>
-        <p:nvSpPr>
-          <p:cNvPr id="2" name="Title 1"/>
-          <p:cNvSpPr>
-            <a:spLocks noGrp="1"/>
-          </p:cNvSpPr>
-          <p:nvPr>
-            <p:ph type="title"/>
-          </p:nvPr>
-        </p:nvSpPr>
-        <p:spPr/>
-        <p:txBody>
-          <a:bodyPr>
-            <a:normAutofit fontScale="90000"/>
+      <p:pic>
+        <p:nvPicPr>
+          <p:cNvPr id="4" name="Content Placeholder 3"/>
+          <p:cNvPicPr>
+            <a:picLocks noGrp="1" noChangeAspect="1"/>
+          </p:cNvPicPr>
+          <p:nvPr>
+            <p:ph idx="4294967295"/>
+          </p:nvPr>
+        </p:nvPicPr>
+        <p:blipFill rotWithShape="1">
+          <a:blip r:embed="rId2"/>
+          <a:srcRect l="-750" r="-606"/>
+          <a:stretch/>
+        </p:blipFill>
+        <p:spPr>
+          <a:xfrm>
+            <a:off x="2347834" y="123376"/>
+            <a:ext cx="4769498" cy="6274187"/>
+          </a:xfrm>
+        </p:spPr>
+      </p:pic>
+      <p:sp>
+        <p:nvSpPr>
+          <p:cNvPr id="5" name="Rectangle 4"/>
+          <p:cNvSpPr/>
+          <p:nvPr/>
+        </p:nvSpPr>
+        <p:spPr>
+          <a:xfrm>
+            <a:off x="971804" y="6432511"/>
+            <a:ext cx="7415426" cy="369332"/>
+          </a:xfrm>
+          <a:prstGeom prst="rect">
+            <a:avLst/>
+          </a:prstGeom>
+        </p:spPr>
+        <p:txBody>
+          <a:bodyPr wrap="square">
+            <a:spAutoFit/>
           </a:bodyPr>
           <a:lstStyle/>
           <a:p>
-            <a:r>
-              <a:rPr lang="en-US" dirty="0" smtClean="0"/>
-              <a:t>This is what </a:t>
-            </a:r>
-            <a:r>
-              <a:rPr lang="en-US" i="1" dirty="0" smtClean="0"/>
-              <a:t>version control</a:t>
-            </a:r>
-            <a:r>
-              <a:rPr lang="en-US" dirty="0" smtClean="0"/>
-              <a:t> is about.</a:t>
+            <a:pPr algn="ctr"/>
+            <a:r>
+              <a:rPr lang="en-US" dirty="0" smtClean="0"/>
+              <a:t>http://</a:t>
+            </a:r>
+            <a:r>
+              <a:rPr lang="en-US" dirty="0" err="1" smtClean="0"/>
+              <a:t>www.phdcomics.com</a:t>
+            </a:r>
+            <a:r>
+              <a:rPr lang="en-US" dirty="0" smtClean="0"/>
+              <a:t>/comics/</a:t>
+            </a:r>
+            <a:r>
+              <a:rPr lang="en-US" dirty="0" err="1" smtClean="0"/>
+              <a:t>archive.php?comicid</a:t>
+            </a:r>
+            <a:r>
+              <a:rPr lang="en-US" dirty="0" smtClean="0"/>
+              <a:t>=1531</a:t>
             </a:r>
             <a:endParaRPr lang="en-US" dirty="0"/>
-          </a:p>
-        </p:txBody>
-      </p:sp>
-      <p:sp>
-        <p:nvSpPr>
-          <p:cNvPr id="3" name="Content Placeholder 2"/>
-          <p:cNvSpPr>
-            <a:spLocks noGrp="1"/>
-          </p:cNvSpPr>
-          <p:nvPr>
-            <p:ph idx="1"/>
-          </p:nvPr>
-        </p:nvSpPr>
-        <p:spPr/>
-        <p:txBody>
-          <a:bodyPr>
-            <a:normAutofit/>
-          </a:bodyPr>
-          <a:lstStyle/>
-          <a:p>
-            <a:r>
-              <a:rPr lang="en-US" dirty="0" smtClean="0"/>
-              <a:t>Version control gives you can explicit way to track, mark, and annotate changes to collections of files.</a:t>
-            </a:r>
-          </a:p>
-          <a:p>
-            <a:r>
-              <a:rPr lang="en-US" dirty="0" smtClean="0"/>
-              <a:t>(</a:t>
-            </a:r>
-            <a:r>
-              <a:rPr lang="en-US" dirty="0" err="1" smtClean="0"/>
-              <a:t>Git</a:t>
-            </a:r>
-            <a:r>
-              <a:rPr lang="en-US" dirty="0" smtClean="0"/>
-              <a:t> is one such system.)</a:t>
-            </a:r>
-          </a:p>
-          <a:p>
-            <a:r>
-              <a:rPr lang="en-US" dirty="0" smtClean="0"/>
-              <a:t>In combination with Web sites like </a:t>
-            </a:r>
-            <a:r>
-              <a:rPr lang="en-US" dirty="0" err="1" smtClean="0"/>
-              <a:t>github.com</a:t>
-            </a:r>
-            <a:r>
-              <a:rPr lang="en-US" dirty="0" smtClean="0"/>
-              <a:t>, you can:</a:t>
-            </a:r>
-          </a:p>
-          <a:p>
-            <a:pPr lvl="1"/>
-            <a:r>
-              <a:rPr lang="en-US" dirty="0" smtClean="0"/>
-              <a:t>View changes and files online</a:t>
-            </a:r>
-          </a:p>
-          <a:p>
-            <a:pPr lvl="1"/>
-            <a:r>
-              <a:rPr lang="en-US" dirty="0" smtClean="0"/>
-              <a:t>Download specific marked versions of files</a:t>
-            </a:r>
           </a:p>
         </p:txBody>
       </p:sp>
     </p:spTree>
     <p:extLst>
       <p:ext uri="{BB962C8B-B14F-4D97-AF65-F5344CB8AC3E}">
-        <p14:creationId xmlns:p14="http://schemas.microsoft.com/office/powerpoint/2010/main" val="481942672"/>
+        <p14:creationId xmlns:p14="http://schemas.microsoft.com/office/powerpoint/2010/main" val="3013361992"/>
       </p:ext>
     </p:extLst>
   </p:cSld>
@@ -4861,6 +4914,135 @@
         </p:nvSpPr>
         <p:spPr/>
         <p:txBody>
+          <a:bodyPr>
+            <a:normAutofit fontScale="90000"/>
+          </a:bodyPr>
+          <a:lstStyle/>
+          <a:p>
+            <a:r>
+              <a:rPr lang="en-US" dirty="0" smtClean="0"/>
+              <a:t>This is what </a:t>
+            </a:r>
+            <a:r>
+              <a:rPr lang="en-US" i="1" dirty="0" smtClean="0"/>
+              <a:t>version control</a:t>
+            </a:r>
+            <a:r>
+              <a:rPr lang="en-US" dirty="0" smtClean="0"/>
+              <a:t> is about.</a:t>
+            </a:r>
+            <a:endParaRPr lang="en-US" dirty="0"/>
+          </a:p>
+        </p:txBody>
+      </p:sp>
+      <p:sp>
+        <p:nvSpPr>
+          <p:cNvPr id="3" name="Content Placeholder 2"/>
+          <p:cNvSpPr>
+            <a:spLocks noGrp="1"/>
+          </p:cNvSpPr>
+          <p:nvPr>
+            <p:ph idx="1"/>
+          </p:nvPr>
+        </p:nvSpPr>
+        <p:spPr/>
+        <p:txBody>
+          <a:bodyPr>
+            <a:normAutofit/>
+          </a:bodyPr>
+          <a:lstStyle/>
+          <a:p>
+            <a:r>
+              <a:rPr lang="en-US" dirty="0" smtClean="0"/>
+              <a:t>Version control gives you can explicit way to track, mark, and annotate changes to collections of files.</a:t>
+            </a:r>
+          </a:p>
+          <a:p>
+            <a:r>
+              <a:rPr lang="en-US" dirty="0" smtClean="0"/>
+              <a:t>(</a:t>
+            </a:r>
+            <a:r>
+              <a:rPr lang="en-US" dirty="0" err="1" smtClean="0"/>
+              <a:t>Git</a:t>
+            </a:r>
+            <a:r>
+              <a:rPr lang="en-US" dirty="0" smtClean="0"/>
+              <a:t> is one such system.)</a:t>
+            </a:r>
+          </a:p>
+          <a:p>
+            <a:r>
+              <a:rPr lang="en-US" dirty="0" smtClean="0"/>
+              <a:t>In combination with Web sites like </a:t>
+            </a:r>
+            <a:r>
+              <a:rPr lang="en-US" dirty="0" err="1" smtClean="0"/>
+              <a:t>github.com</a:t>
+            </a:r>
+            <a:r>
+              <a:rPr lang="en-US" dirty="0" smtClean="0"/>
+              <a:t>, you can:</a:t>
+            </a:r>
+          </a:p>
+          <a:p>
+            <a:pPr lvl="1"/>
+            <a:r>
+              <a:rPr lang="en-US" dirty="0" smtClean="0"/>
+              <a:t>View changes and files online</a:t>
+            </a:r>
+          </a:p>
+          <a:p>
+            <a:pPr lvl="1"/>
+            <a:r>
+              <a:rPr lang="en-US" dirty="0" smtClean="0"/>
+              <a:t>Download specific marked versions of files</a:t>
+            </a:r>
+          </a:p>
+        </p:txBody>
+      </p:sp>
+    </p:spTree>
+    <p:extLst>
+      <p:ext uri="{BB962C8B-B14F-4D97-AF65-F5344CB8AC3E}">
+        <p14:creationId xmlns:p14="http://schemas.microsoft.com/office/powerpoint/2010/main" val="481942672"/>
+      </p:ext>
+    </p:extLst>
+  </p:cSld>
+  <p:clrMapOvr>
+    <a:masterClrMapping/>
+  </p:clrMapOvr>
+</p:sld>
+</file>
+
+<file path=ppt/slides/slide19.xml><?xml version="1.0" encoding="utf-8"?>
+<p:sld xmlns:a="http://schemas.openxmlformats.org/drawingml/2006/main" xmlns:r="http://schemas.openxmlformats.org/officeDocument/2006/relationships" xmlns:p="http://schemas.openxmlformats.org/presentationml/2006/main">
+  <p:cSld>
+    <p:spTree>
+      <p:nvGrpSpPr>
+        <p:cNvPr id="1" name=""/>
+        <p:cNvGrpSpPr/>
+        <p:nvPr/>
+      </p:nvGrpSpPr>
+      <p:grpSpPr>
+        <a:xfrm>
+          <a:off x="0" y="0"/>
+          <a:ext cx="0" cy="0"/>
+          <a:chOff x="0" y="0"/>
+          <a:chExt cx="0" cy="0"/>
+        </a:xfrm>
+      </p:grpSpPr>
+      <p:sp>
+        <p:nvSpPr>
+          <p:cNvPr id="2" name="Title 1"/>
+          <p:cNvSpPr>
+            <a:spLocks noGrp="1"/>
+          </p:cNvSpPr>
+          <p:nvPr>
+            <p:ph type="title"/>
+          </p:nvPr>
+        </p:nvSpPr>
+        <p:spPr/>
+        <p:txBody>
           <a:bodyPr/>
           <a:lstStyle/>
           <a:p>
@@ -4961,7 +5143,82 @@
 </p:sld>
 </file>
 
-<file path=ppt/slides/slide19.xml><?xml version="1.0" encoding="utf-8"?>
+<file path=ppt/slides/slide2.xml><?xml version="1.0" encoding="utf-8"?>
+<p:sld xmlns:a="http://schemas.openxmlformats.org/drawingml/2006/main" xmlns:r="http://schemas.openxmlformats.org/officeDocument/2006/relationships" xmlns:p="http://schemas.openxmlformats.org/presentationml/2006/main">
+  <p:cSld>
+    <p:spTree>
+      <p:nvGrpSpPr>
+        <p:cNvPr id="1" name=""/>
+        <p:cNvGrpSpPr/>
+        <p:nvPr/>
+      </p:nvGrpSpPr>
+      <p:grpSpPr>
+        <a:xfrm>
+          <a:off x="0" y="0"/>
+          <a:ext cx="0" cy="0"/>
+          <a:chOff x="0" y="0"/>
+          <a:chExt cx="0" cy="0"/>
+        </a:xfrm>
+      </p:grpSpPr>
+      <p:sp>
+        <p:nvSpPr>
+          <p:cNvPr id="2" name="Title 1"/>
+          <p:cNvSpPr>
+            <a:spLocks noGrp="1"/>
+          </p:cNvSpPr>
+          <p:nvPr>
+            <p:ph type="title"/>
+          </p:nvPr>
+        </p:nvSpPr>
+        <p:spPr/>
+        <p:txBody>
+          <a:bodyPr/>
+          <a:lstStyle/>
+          <a:p>
+            <a:r>
+              <a:rPr lang="en-US" dirty="0" smtClean="0"/>
+              <a:t>A pipeline view of the world</a:t>
+            </a:r>
+            <a:endParaRPr lang="en-US" dirty="0"/>
+          </a:p>
+        </p:txBody>
+      </p:sp>
+      <p:pic>
+        <p:nvPicPr>
+          <p:cNvPr id="4" name="Content Placeholder 3"/>
+          <p:cNvPicPr>
+            <a:picLocks noGrp="1" noChangeAspect="1"/>
+          </p:cNvPicPr>
+          <p:nvPr>
+            <p:ph idx="1"/>
+          </p:nvPr>
+        </p:nvPicPr>
+        <p:blipFill rotWithShape="1">
+          <a:blip r:embed="rId2"/>
+          <a:srcRect l="-828" r="-1320"/>
+          <a:stretch/>
+        </p:blipFill>
+        <p:spPr>
+          <a:xfrm>
+            <a:off x="3425770" y="1600200"/>
+            <a:ext cx="2303535" cy="4525963"/>
+          </a:xfrm>
+        </p:spPr>
+      </p:pic>
+    </p:spTree>
+    <p:extLst>
+      <p:ext uri="{BB962C8B-B14F-4D97-AF65-F5344CB8AC3E}">
+        <p14:creationId xmlns:p14="http://schemas.microsoft.com/office/powerpoint/2010/main" val="3066692848"/>
+      </p:ext>
+    </p:extLst>
+  </p:cSld>
+  <p:clrMapOvr>
+    <a:masterClrMapping/>
+  </p:clrMapOvr>
+</p:sld>
+</file>
+
+<file path=ppt/slides/slide20.xml><?xml version="1.0" encoding="utf-8"?>
 <p:sld xmlns:a="http://schemas.openxmlformats.org/drawingml/2006/main" xmlns:r="http://schemas.openxmlformats.org/officeDocument/2006/relationships" xmlns:p="http://schemas.openxmlformats.org/presentationml/2006/main">
   <p:cSld>
     <p:spTree>
@@ -5061,82 +5318,7 @@
 </p:sld>
 </file>
 
-<file path=ppt/slides/slide2.xml><?xml version="1.0" encoding="utf-8"?>
-<p:sld xmlns:a="http://schemas.openxmlformats.org/drawingml/2006/main" xmlns:r="http://schemas.openxmlformats.org/officeDocument/2006/relationships" xmlns:p="http://schemas.openxmlformats.org/presentationml/2006/main">
-  <p:cSld>
-    <p:spTree>
-      <p:nvGrpSpPr>
-        <p:cNvPr id="1" name=""/>
-        <p:cNvGrpSpPr/>
-        <p:nvPr/>
-      </p:nvGrpSpPr>
-      <p:grpSpPr>
-        <a:xfrm>
-          <a:off x="0" y="0"/>
-          <a:ext cx="0" cy="0"/>
-          <a:chOff x="0" y="0"/>
-          <a:chExt cx="0" cy="0"/>
-        </a:xfrm>
-      </p:grpSpPr>
-      <p:sp>
-        <p:nvSpPr>
-          <p:cNvPr id="2" name="Title 1"/>
-          <p:cNvSpPr>
-            <a:spLocks noGrp="1"/>
-          </p:cNvSpPr>
-          <p:nvPr>
-            <p:ph type="title"/>
-          </p:nvPr>
-        </p:nvSpPr>
-        <p:spPr/>
-        <p:txBody>
-          <a:bodyPr/>
-          <a:lstStyle/>
-          <a:p>
-            <a:r>
-              <a:rPr lang="en-US" dirty="0" smtClean="0"/>
-              <a:t>A pipeline view of the world</a:t>
-            </a:r>
-            <a:endParaRPr lang="en-US" dirty="0"/>
-          </a:p>
-        </p:txBody>
-      </p:sp>
-      <p:pic>
-        <p:nvPicPr>
-          <p:cNvPr id="4" name="Content Placeholder 3"/>
-          <p:cNvPicPr>
-            <a:picLocks noGrp="1" noChangeAspect="1"/>
-          </p:cNvPicPr>
-          <p:nvPr>
-            <p:ph idx="1"/>
-          </p:nvPr>
-        </p:nvPicPr>
-        <p:blipFill rotWithShape="1">
-          <a:blip r:embed="rId2"/>
-          <a:srcRect l="-828" r="-1320"/>
-          <a:stretch/>
-        </p:blipFill>
-        <p:spPr>
-          <a:xfrm>
-            <a:off x="3425770" y="1600200"/>
-            <a:ext cx="2303535" cy="4525963"/>
-          </a:xfrm>
-        </p:spPr>
-      </p:pic>
-    </p:spTree>
-    <p:extLst>
-      <p:ext uri="{BB962C8B-B14F-4D97-AF65-F5344CB8AC3E}">
-        <p14:creationId xmlns:p14="http://schemas.microsoft.com/office/powerpoint/2010/main" val="3066692848"/>
-      </p:ext>
-    </p:extLst>
-  </p:cSld>
-  <p:clrMapOvr>
-    <a:masterClrMapping/>
-  </p:clrMapOvr>
-</p:sld>
-</file>
-
-<file path=ppt/slides/slide20.xml><?xml version="1.0" encoding="utf-8"?>
+<file path=ppt/slides/slide21.xml><?xml version="1.0" encoding="utf-8"?>
 <p:sld xmlns:a="http://schemas.openxmlformats.org/drawingml/2006/main" xmlns:r="http://schemas.openxmlformats.org/officeDocument/2006/relationships" xmlns:p="http://schemas.openxmlformats.org/presentationml/2006/main">
   <p:cSld>
     <p:spTree>

--- a/_static/lecture-pipelines.pptx
+++ b/_static/lecture-pipelines.pptx
@@ -212,7 +212,7 @@
           <a:p>
             <a:fld id="{A76CF61A-1BDC-CE4E-B701-BDD80126EE74}" type="datetimeFigureOut">
               <a:rPr lang="en-US" smtClean="0"/>
-              <a:t>9/23/13</a:t>
+              <a:t>9/28/13</a:t>
             </a:fld>
             <a:endParaRPr lang="en-US"/>
           </a:p>
@@ -757,7 +757,7 @@
           <a:p>
             <a:fld id="{37767541-3A40-5F40-81A9-B58AAD73EDAC}" type="datetimeFigureOut">
               <a:rPr lang="en-US" smtClean="0"/>
-              <a:t>9/23/13</a:t>
+              <a:t>9/28/13</a:t>
             </a:fld>
             <a:endParaRPr lang="en-US"/>
           </a:p>
@@ -927,7 +927,7 @@
           <a:p>
             <a:fld id="{37767541-3A40-5F40-81A9-B58AAD73EDAC}" type="datetimeFigureOut">
               <a:rPr lang="en-US" smtClean="0"/>
-              <a:t>9/23/13</a:t>
+              <a:t>9/28/13</a:t>
             </a:fld>
             <a:endParaRPr lang="en-US"/>
           </a:p>
@@ -1107,7 +1107,7 @@
           <a:p>
             <a:fld id="{37767541-3A40-5F40-81A9-B58AAD73EDAC}" type="datetimeFigureOut">
               <a:rPr lang="en-US" smtClean="0"/>
-              <a:t>9/23/13</a:t>
+              <a:t>9/28/13</a:t>
             </a:fld>
             <a:endParaRPr lang="en-US"/>
           </a:p>
@@ -1277,7 +1277,7 @@
           <a:p>
             <a:fld id="{37767541-3A40-5F40-81A9-B58AAD73EDAC}" type="datetimeFigureOut">
               <a:rPr lang="en-US" smtClean="0"/>
-              <a:t>9/23/13</a:t>
+              <a:t>9/28/13</a:t>
             </a:fld>
             <a:endParaRPr lang="en-US"/>
           </a:p>
@@ -1523,7 +1523,7 @@
           <a:p>
             <a:fld id="{37767541-3A40-5F40-81A9-B58AAD73EDAC}" type="datetimeFigureOut">
               <a:rPr lang="en-US" smtClean="0"/>
-              <a:t>9/23/13</a:t>
+              <a:t>9/28/13</a:t>
             </a:fld>
             <a:endParaRPr lang="en-US"/>
           </a:p>
@@ -1811,7 +1811,7 @@
           <a:p>
             <a:fld id="{37767541-3A40-5F40-81A9-B58AAD73EDAC}" type="datetimeFigureOut">
               <a:rPr lang="en-US" smtClean="0"/>
-              <a:t>9/23/13</a:t>
+              <a:t>9/28/13</a:t>
             </a:fld>
             <a:endParaRPr lang="en-US"/>
           </a:p>
@@ -2233,7 +2233,7 @@
           <a:p>
             <a:fld id="{37767541-3A40-5F40-81A9-B58AAD73EDAC}" type="datetimeFigureOut">
               <a:rPr lang="en-US" smtClean="0"/>
-              <a:t>9/23/13</a:t>
+              <a:t>9/28/13</a:t>
             </a:fld>
             <a:endParaRPr lang="en-US"/>
           </a:p>
@@ -2351,7 +2351,7 @@
           <a:p>
             <a:fld id="{37767541-3A40-5F40-81A9-B58AAD73EDAC}" type="datetimeFigureOut">
               <a:rPr lang="en-US" smtClean="0"/>
-              <a:t>9/23/13</a:t>
+              <a:t>9/28/13</a:t>
             </a:fld>
             <a:endParaRPr lang="en-US"/>
           </a:p>
@@ -2446,7 +2446,7 @@
           <a:p>
             <a:fld id="{37767541-3A40-5F40-81A9-B58AAD73EDAC}" type="datetimeFigureOut">
               <a:rPr lang="en-US" smtClean="0"/>
-              <a:t>9/23/13</a:t>
+              <a:t>9/28/13</a:t>
             </a:fld>
             <a:endParaRPr lang="en-US"/>
           </a:p>
@@ -2723,7 +2723,7 @@
           <a:p>
             <a:fld id="{37767541-3A40-5F40-81A9-B58AAD73EDAC}" type="datetimeFigureOut">
               <a:rPr lang="en-US" smtClean="0"/>
-              <a:t>9/23/13</a:t>
+              <a:t>9/28/13</a:t>
             </a:fld>
             <a:endParaRPr lang="en-US"/>
           </a:p>
@@ -2976,7 +2976,7 @@
           <a:p>
             <a:fld id="{37767541-3A40-5F40-81A9-B58AAD73EDAC}" type="datetimeFigureOut">
               <a:rPr lang="en-US" smtClean="0"/>
-              <a:t>9/23/13</a:t>
+              <a:t>9/28/13</a:t>
             </a:fld>
             <a:endParaRPr lang="en-US"/>
           </a:p>
@@ -3189,7 +3189,7 @@
           <a:p>
             <a:fld id="{37767541-3A40-5F40-81A9-B58AAD73EDAC}" type="datetimeFigureOut">
               <a:rPr lang="en-US" smtClean="0"/>
-              <a:t>9/23/13</a:t>
+              <a:t>9/28/13</a:t>
             </a:fld>
             <a:endParaRPr lang="en-US"/>
           </a:p>
@@ -3613,8 +3613,12 @@
               <a:t>9</a:t>
             </a:r>
             <a:r>
-              <a:rPr lang="en-US" dirty="0" smtClean="0"/>
-              <a:t>/23/</a:t>
+              <a:rPr lang="en-US" smtClean="0"/>
+              <a:t>/</a:t>
+            </a:r>
+            <a:r>
+              <a:rPr lang="en-US" smtClean="0"/>
+              <a:t>28/</a:t>
             </a:r>
             <a:r>
               <a:rPr lang="en-US" dirty="0" smtClean="0"/>
